--- a/doc/Самая лучшая презентация для проекта эвэр.pptx
+++ b/doc/Самая лучшая презентация для проекта эвэр.pptx
@@ -10,9 +10,10 @@
     <p:sldId id="258" r:id="rId4"/>
     <p:sldId id="259" r:id="rId5"/>
     <p:sldId id="260" r:id="rId6"/>
-    <p:sldId id="261" r:id="rId7"/>
-    <p:sldId id="262" r:id="rId8"/>
-    <p:sldId id="264" r:id="rId9"/>
+    <p:sldId id="265" r:id="rId7"/>
+    <p:sldId id="261" r:id="rId8"/>
+    <p:sldId id="262" r:id="rId9"/>
+    <p:sldId id="264" r:id="rId10"/>
   </p:sldIdLst>
   <p:sldSz cx="12192000" cy="6858000"/>
   <p:notesSz cx="6858000" cy="9144000"/>
@@ -111,6 +112,11 @@
       </a:defRPr>
     </a:lvl9pPr>
   </p:defaultTextStyle>
+  <p:extLst>
+    <p:ext uri="{EFAFB233-063F-42B5-8137-9DF3F51BA10A}">
+      <p15:sldGuideLst xmlns:p15="http://schemas.microsoft.com/office/powerpoint/2012/main"/>
+    </p:ext>
+  </p:extLst>
 </p:presentation>
 </file>
 
@@ -6380,13 +6386,13 @@
   <p:clrMapOvr>
     <a:masterClrMapping/>
   </p:clrMapOvr>
-  <mc:AlternateContent xmlns:mc="http://schemas.openxmlformats.org/markup-compatibility/2006">
-    <mc:Choice xmlns:p14="http://schemas.microsoft.com/office/powerpoint/2010/main" Requires="p14">
+  <mc:AlternateContent xmlns:mc="http://schemas.openxmlformats.org/markup-compatibility/2006" xmlns:p14="http://schemas.microsoft.com/office/powerpoint/2010/main">
+    <mc:Choice Requires="p14">
       <p:transition spd="med" p14:dur="700">
         <p:fade/>
       </p:transition>
     </mc:Choice>
-    <mc:Fallback>
+    <mc:Fallback xmlns="">
       <p:transition spd="med">
         <p:fade/>
       </p:transition>
@@ -8100,13 +8106,13 @@
   <p:clrMapOvr>
     <a:masterClrMapping/>
   </p:clrMapOvr>
-  <mc:AlternateContent xmlns:mc="http://schemas.openxmlformats.org/markup-compatibility/2006">
-    <mc:Choice xmlns:p14="http://schemas.microsoft.com/office/powerpoint/2010/main" Requires="p14">
+  <mc:AlternateContent xmlns:mc="http://schemas.openxmlformats.org/markup-compatibility/2006" xmlns:p14="http://schemas.microsoft.com/office/powerpoint/2010/main">
+    <mc:Choice Requires="p14">
       <p:transition spd="slow" p14:dur="1500">
         <p:split orient="vert"/>
       </p:transition>
     </mc:Choice>
-    <mc:Fallback>
+    <mc:Fallback xmlns="">
       <p:transition spd="slow">
         <p:split orient="vert"/>
       </p:transition>
@@ -9290,13 +9296,13 @@
   <p:clrMapOvr>
     <a:masterClrMapping/>
   </p:clrMapOvr>
-  <mc:AlternateContent xmlns:mc="http://schemas.openxmlformats.org/markup-compatibility/2006">
-    <mc:Choice xmlns:p15="http://schemas.microsoft.com/office/powerpoint/2012/main" Requires="p15">
+  <mc:AlternateContent xmlns:mc="http://schemas.openxmlformats.org/markup-compatibility/2006" xmlns:p15="http://schemas.microsoft.com/office/powerpoint/2012/main">
+    <mc:Choice Requires="p15">
       <p:transition xmlns:p14="http://schemas.microsoft.com/office/powerpoint/2010/main" spd="slow" p14:dur="2000">
         <p15:prstTrans prst="fracture"/>
       </p:transition>
     </mc:Choice>
-    <mc:Fallback>
+    <mc:Fallback xmlns="">
       <p:transition spd="slow">
         <p:fade/>
       </p:transition>
@@ -10170,6 +10176,1142 @@
           <p:cNvPr id="2" name="Заголовок 1">
             <a:extLst>
               <a:ext uri="{FF2B5EF4-FFF2-40B4-BE49-F238E27FC236}">
+                <a16:creationId xmlns:a16="http://schemas.microsoft.com/office/drawing/2014/main" id="{D6536F92-AD04-4991-81F3-EA0F99A07E91}"/>
+              </a:ext>
+            </a:extLst>
+          </p:cNvPr>
+          <p:cNvSpPr>
+            <a:spLocks noGrp="1"/>
+          </p:cNvSpPr>
+          <p:nvPr>
+            <p:ph type="title"/>
+          </p:nvPr>
+        </p:nvSpPr>
+        <p:spPr>
+          <a:xfrm>
+            <a:off x="594676" y="0"/>
+            <a:ext cx="10353762" cy="970450"/>
+          </a:xfrm>
+        </p:spPr>
+        <p:txBody>
+          <a:bodyPr/>
+          <a:lstStyle/>
+          <a:p>
+            <a:r>
+              <a:rPr lang="ru-RU" dirty="0"/>
+              <a:t>Вы можете</a:t>
+            </a:r>
+          </a:p>
+        </p:txBody>
+      </p:sp>
+      <p:sp>
+        <p:nvSpPr>
+          <p:cNvPr id="3" name="Объект 2">
+            <a:extLst>
+              <a:ext uri="{FF2B5EF4-FFF2-40B4-BE49-F238E27FC236}">
+                <a16:creationId xmlns:a16="http://schemas.microsoft.com/office/drawing/2014/main" id="{83FFC3BA-65D1-452C-AD7A-39A966948BD3}"/>
+              </a:ext>
+            </a:extLst>
+          </p:cNvPr>
+          <p:cNvSpPr>
+            <a:spLocks noGrp="1"/>
+          </p:cNvSpPr>
+          <p:nvPr>
+            <p:ph idx="1"/>
+          </p:nvPr>
+        </p:nvSpPr>
+        <p:spPr>
+          <a:xfrm>
+            <a:off x="514896" y="910104"/>
+            <a:ext cx="11630054" cy="1796276"/>
+          </a:xfrm>
+        </p:spPr>
+        <p:txBody>
+          <a:bodyPr>
+            <a:normAutofit fontScale="92500" lnSpcReduction="20000"/>
+          </a:bodyPr>
+          <a:lstStyle/>
+          <a:p>
+            <a:r>
+              <a:rPr lang="ru-RU" dirty="0"/>
+              <a:t>Устроить на сервере 1984 как наказание</a:t>
+            </a:r>
+          </a:p>
+          <a:p>
+            <a:r>
+              <a:rPr lang="ru-RU" dirty="0"/>
+              <a:t>Снизойти до пользователей и отменить 1984, чтобы боялись</a:t>
+            </a:r>
+          </a:p>
+          <a:p>
+            <a:r>
+              <a:rPr lang="ru-RU" dirty="0"/>
+              <a:t>Запретить всё или отдельную функцию, а также разрешить всё это</a:t>
+            </a:r>
+          </a:p>
+          <a:p>
+            <a:r>
+              <a:rPr lang="ru-RU" dirty="0"/>
+              <a:t>Ваш бот будет бесплатно 24/7 модерировать чат</a:t>
+            </a:r>
+          </a:p>
+          <a:p>
+            <a:r>
+              <a:rPr lang="ru-RU" dirty="0"/>
+              <a:t>Вам не нужно будет платить деньги модераторам, только боту</a:t>
+            </a:r>
+          </a:p>
+        </p:txBody>
+      </p:sp>
+      <p:pic>
+        <p:nvPicPr>
+          <p:cNvPr id="5" name="Рисунок 4">
+            <a:extLst>
+              <a:ext uri="{FF2B5EF4-FFF2-40B4-BE49-F238E27FC236}">
+                <a16:creationId xmlns:a16="http://schemas.microsoft.com/office/drawing/2014/main" id="{24033AD2-6997-47C8-A8CB-8E93E354E8B2}"/>
+              </a:ext>
+            </a:extLst>
+          </p:cNvPr>
+          <p:cNvPicPr>
+            <a:picLocks noChangeAspect="1"/>
+          </p:cNvPicPr>
+          <p:nvPr/>
+        </p:nvPicPr>
+        <p:blipFill>
+          <a:blip r:embed="rId2"/>
+          <a:stretch>
+            <a:fillRect/>
+          </a:stretch>
+        </p:blipFill>
+        <p:spPr>
+          <a:xfrm>
+            <a:off x="594676" y="2758542"/>
+            <a:ext cx="2958349" cy="3602192"/>
+          </a:xfrm>
+          <a:prstGeom prst="rect">
+            <a:avLst/>
+          </a:prstGeom>
+        </p:spPr>
+      </p:pic>
+      <p:pic>
+        <p:nvPicPr>
+          <p:cNvPr id="7" name="Рисунок 6">
+            <a:extLst>
+              <a:ext uri="{FF2B5EF4-FFF2-40B4-BE49-F238E27FC236}">
+                <a16:creationId xmlns:a16="http://schemas.microsoft.com/office/drawing/2014/main" id="{3E0AA715-4744-4313-8BE1-AFC8B48BFEC3}"/>
+              </a:ext>
+            </a:extLst>
+          </p:cNvPr>
+          <p:cNvPicPr>
+            <a:picLocks noChangeAspect="1"/>
+          </p:cNvPicPr>
+          <p:nvPr/>
+        </p:nvPicPr>
+        <p:blipFill>
+          <a:blip r:embed="rId3"/>
+          <a:stretch>
+            <a:fillRect/>
+          </a:stretch>
+        </p:blipFill>
+        <p:spPr>
+          <a:xfrm>
+            <a:off x="3824497" y="2706380"/>
+            <a:ext cx="3549101" cy="2261880"/>
+          </a:xfrm>
+          <a:prstGeom prst="rect">
+            <a:avLst/>
+          </a:prstGeom>
+        </p:spPr>
+      </p:pic>
+      <p:pic>
+        <p:nvPicPr>
+          <p:cNvPr id="9" name="Рисунок 8">
+            <a:extLst>
+              <a:ext uri="{FF2B5EF4-FFF2-40B4-BE49-F238E27FC236}">
+                <a16:creationId xmlns:a16="http://schemas.microsoft.com/office/drawing/2014/main" id="{AFCABE05-2D3A-4728-9341-DD0DD32C0F9A}"/>
+              </a:ext>
+            </a:extLst>
+          </p:cNvPr>
+          <p:cNvPicPr>
+            <a:picLocks noChangeAspect="1"/>
+          </p:cNvPicPr>
+          <p:nvPr/>
+        </p:nvPicPr>
+        <p:blipFill>
+          <a:blip r:embed="rId4"/>
+          <a:stretch>
+            <a:fillRect/>
+          </a:stretch>
+        </p:blipFill>
+        <p:spPr>
+          <a:xfrm>
+            <a:off x="3965647" y="5302242"/>
+            <a:ext cx="3407952" cy="1058492"/>
+          </a:xfrm>
+          <a:prstGeom prst="rect">
+            <a:avLst/>
+          </a:prstGeom>
+        </p:spPr>
+      </p:pic>
+      <p:pic>
+        <p:nvPicPr>
+          <p:cNvPr id="11" name="Рисунок 10">
+            <a:extLst>
+              <a:ext uri="{FF2B5EF4-FFF2-40B4-BE49-F238E27FC236}">
+                <a16:creationId xmlns:a16="http://schemas.microsoft.com/office/drawing/2014/main" id="{E6B24B8D-D0D1-493F-82A9-979620377C35}"/>
+              </a:ext>
+            </a:extLst>
+          </p:cNvPr>
+          <p:cNvPicPr>
+            <a:picLocks noChangeAspect="1"/>
+          </p:cNvPicPr>
+          <p:nvPr/>
+        </p:nvPicPr>
+        <p:blipFill>
+          <a:blip r:embed="rId5"/>
+          <a:stretch>
+            <a:fillRect/>
+          </a:stretch>
+        </p:blipFill>
+        <p:spPr>
+          <a:xfrm>
+            <a:off x="7657321" y="2706380"/>
+            <a:ext cx="3827791" cy="1853258"/>
+          </a:xfrm>
+          <a:prstGeom prst="rect">
+            <a:avLst/>
+          </a:prstGeom>
+        </p:spPr>
+      </p:pic>
+      <p:pic>
+        <p:nvPicPr>
+          <p:cNvPr id="13" name="Рисунок 12">
+            <a:extLst>
+              <a:ext uri="{FF2B5EF4-FFF2-40B4-BE49-F238E27FC236}">
+                <a16:creationId xmlns:a16="http://schemas.microsoft.com/office/drawing/2014/main" id="{8E5C70FA-3F57-4A9D-852C-44D93119814D}"/>
+              </a:ext>
+            </a:extLst>
+          </p:cNvPr>
+          <p:cNvPicPr>
+            <a:picLocks noChangeAspect="1"/>
+          </p:cNvPicPr>
+          <p:nvPr/>
+        </p:nvPicPr>
+        <p:blipFill>
+          <a:blip r:embed="rId6"/>
+          <a:stretch>
+            <a:fillRect/>
+          </a:stretch>
+        </p:blipFill>
+        <p:spPr>
+          <a:xfrm>
+            <a:off x="7545111" y="5029478"/>
+            <a:ext cx="4052213" cy="1331256"/>
+          </a:xfrm>
+          <a:prstGeom prst="rect">
+            <a:avLst/>
+          </a:prstGeom>
+        </p:spPr>
+      </p:pic>
+    </p:spTree>
+    <p:extLst>
+      <p:ext uri="{BB962C8B-B14F-4D97-AF65-F5344CB8AC3E}">
+        <p14:creationId xmlns:p14="http://schemas.microsoft.com/office/powerpoint/2010/main" val="2877800987"/>
+      </p:ext>
+    </p:extLst>
+  </p:cSld>
+  <p:clrMapOvr>
+    <a:masterClrMapping/>
+  </p:clrMapOvr>
+  <mc:AlternateContent xmlns:mc="http://schemas.openxmlformats.org/markup-compatibility/2006">
+    <mc:Choice xmlns:p14="http://schemas.microsoft.com/office/powerpoint/2010/main" Requires="p14">
+      <p:transition spd="slow" p14:dur="1200">
+        <p:dissolve/>
+      </p:transition>
+    </mc:Choice>
+    <mc:Fallback>
+      <p:transition spd="slow">
+        <p:dissolve/>
+      </p:transition>
+    </mc:Fallback>
+  </mc:AlternateContent>
+  <p:timing>
+    <p:tnLst>
+      <p:par>
+        <p:cTn id="1" dur="indefinite" restart="never" nodeType="tmRoot">
+          <p:childTnLst>
+            <p:seq concurrent="1" nextAc="seek">
+              <p:cTn id="2" dur="indefinite" nodeType="mainSeq">
+                <p:childTnLst>
+                  <p:par>
+                    <p:cTn id="3" fill="hold">
+                      <p:stCondLst>
+                        <p:cond delay="indefinite"/>
+                        <p:cond evt="onBegin" delay="0">
+                          <p:tn val="2"/>
+                        </p:cond>
+                      </p:stCondLst>
+                      <p:childTnLst>
+                        <p:par>
+                          <p:cTn id="4" fill="hold">
+                            <p:stCondLst>
+                              <p:cond delay="0"/>
+                            </p:stCondLst>
+                            <p:childTnLst>
+                              <p:par>
+                                <p:cTn id="5" presetID="2" presetClass="entr" presetSubtype="1" fill="hold" grpId="0" nodeType="afterEffect">
+                                  <p:stCondLst>
+                                    <p:cond delay="0"/>
+                                  </p:stCondLst>
+                                  <p:childTnLst>
+                                    <p:set>
+                                      <p:cBhvr>
+                                        <p:cTn id="6" dur="1" fill="hold">
+                                          <p:stCondLst>
+                                            <p:cond delay="0"/>
+                                          </p:stCondLst>
+                                        </p:cTn>
+                                        <p:tgtEl>
+                                          <p:spTgt spid="3">
+                                            <p:txEl>
+                                              <p:pRg st="0" end="0"/>
+                                            </p:txEl>
+                                          </p:spTgt>
+                                        </p:tgtEl>
+                                        <p:attrNameLst>
+                                          <p:attrName>style.visibility</p:attrName>
+                                        </p:attrNameLst>
+                                      </p:cBhvr>
+                                      <p:to>
+                                        <p:strVal val="visible"/>
+                                      </p:to>
+                                    </p:set>
+                                    <p:anim calcmode="lin" valueType="num">
+                                      <p:cBhvr additive="base">
+                                        <p:cTn id="7" dur="1750" fill="hold"/>
+                                        <p:tgtEl>
+                                          <p:spTgt spid="3">
+                                            <p:txEl>
+                                              <p:pRg st="0" end="0"/>
+                                            </p:txEl>
+                                          </p:spTgt>
+                                        </p:tgtEl>
+                                        <p:attrNameLst>
+                                          <p:attrName>ppt_x</p:attrName>
+                                        </p:attrNameLst>
+                                      </p:cBhvr>
+                                      <p:tavLst>
+                                        <p:tav tm="0">
+                                          <p:val>
+                                            <p:strVal val="#ppt_x"/>
+                                          </p:val>
+                                        </p:tav>
+                                        <p:tav tm="100000">
+                                          <p:val>
+                                            <p:strVal val="#ppt_x"/>
+                                          </p:val>
+                                        </p:tav>
+                                      </p:tavLst>
+                                    </p:anim>
+                                    <p:anim calcmode="lin" valueType="num">
+                                      <p:cBhvr additive="base">
+                                        <p:cTn id="8" dur="1750" fill="hold"/>
+                                        <p:tgtEl>
+                                          <p:spTgt spid="3">
+                                            <p:txEl>
+                                              <p:pRg st="0" end="0"/>
+                                            </p:txEl>
+                                          </p:spTgt>
+                                        </p:tgtEl>
+                                        <p:attrNameLst>
+                                          <p:attrName>ppt_y</p:attrName>
+                                        </p:attrNameLst>
+                                      </p:cBhvr>
+                                      <p:tavLst>
+                                        <p:tav tm="0">
+                                          <p:val>
+                                            <p:strVal val="0-#ppt_h/2"/>
+                                          </p:val>
+                                        </p:tav>
+                                        <p:tav tm="100000">
+                                          <p:val>
+                                            <p:strVal val="#ppt_y"/>
+                                          </p:val>
+                                        </p:tav>
+                                      </p:tavLst>
+                                    </p:anim>
+                                  </p:childTnLst>
+                                </p:cTn>
+                              </p:par>
+                            </p:childTnLst>
+                          </p:cTn>
+                        </p:par>
+                        <p:par>
+                          <p:cTn id="9" fill="hold">
+                            <p:stCondLst>
+                              <p:cond delay="1750"/>
+                            </p:stCondLst>
+                            <p:childTnLst>
+                              <p:par>
+                                <p:cTn id="10" presetID="2" presetClass="entr" presetSubtype="1" fill="hold" grpId="0" nodeType="afterEffect">
+                                  <p:stCondLst>
+                                    <p:cond delay="0"/>
+                                  </p:stCondLst>
+                                  <p:childTnLst>
+                                    <p:set>
+                                      <p:cBhvr>
+                                        <p:cTn id="11" dur="1" fill="hold">
+                                          <p:stCondLst>
+                                            <p:cond delay="0"/>
+                                          </p:stCondLst>
+                                        </p:cTn>
+                                        <p:tgtEl>
+                                          <p:spTgt spid="3">
+                                            <p:txEl>
+                                              <p:pRg st="1" end="1"/>
+                                            </p:txEl>
+                                          </p:spTgt>
+                                        </p:tgtEl>
+                                        <p:attrNameLst>
+                                          <p:attrName>style.visibility</p:attrName>
+                                        </p:attrNameLst>
+                                      </p:cBhvr>
+                                      <p:to>
+                                        <p:strVal val="visible"/>
+                                      </p:to>
+                                    </p:set>
+                                    <p:anim calcmode="lin" valueType="num">
+                                      <p:cBhvr additive="base">
+                                        <p:cTn id="12" dur="1750" fill="hold"/>
+                                        <p:tgtEl>
+                                          <p:spTgt spid="3">
+                                            <p:txEl>
+                                              <p:pRg st="1" end="1"/>
+                                            </p:txEl>
+                                          </p:spTgt>
+                                        </p:tgtEl>
+                                        <p:attrNameLst>
+                                          <p:attrName>ppt_x</p:attrName>
+                                        </p:attrNameLst>
+                                      </p:cBhvr>
+                                      <p:tavLst>
+                                        <p:tav tm="0">
+                                          <p:val>
+                                            <p:strVal val="#ppt_x"/>
+                                          </p:val>
+                                        </p:tav>
+                                        <p:tav tm="100000">
+                                          <p:val>
+                                            <p:strVal val="#ppt_x"/>
+                                          </p:val>
+                                        </p:tav>
+                                      </p:tavLst>
+                                    </p:anim>
+                                    <p:anim calcmode="lin" valueType="num">
+                                      <p:cBhvr additive="base">
+                                        <p:cTn id="13" dur="1750" fill="hold"/>
+                                        <p:tgtEl>
+                                          <p:spTgt spid="3">
+                                            <p:txEl>
+                                              <p:pRg st="1" end="1"/>
+                                            </p:txEl>
+                                          </p:spTgt>
+                                        </p:tgtEl>
+                                        <p:attrNameLst>
+                                          <p:attrName>ppt_y</p:attrName>
+                                        </p:attrNameLst>
+                                      </p:cBhvr>
+                                      <p:tavLst>
+                                        <p:tav tm="0">
+                                          <p:val>
+                                            <p:strVal val="0-#ppt_h/2"/>
+                                          </p:val>
+                                        </p:tav>
+                                        <p:tav tm="100000">
+                                          <p:val>
+                                            <p:strVal val="#ppt_y"/>
+                                          </p:val>
+                                        </p:tav>
+                                      </p:tavLst>
+                                    </p:anim>
+                                  </p:childTnLst>
+                                </p:cTn>
+                              </p:par>
+                            </p:childTnLst>
+                          </p:cTn>
+                        </p:par>
+                        <p:par>
+                          <p:cTn id="14" fill="hold">
+                            <p:stCondLst>
+                              <p:cond delay="3500"/>
+                            </p:stCondLst>
+                            <p:childTnLst>
+                              <p:par>
+                                <p:cTn id="15" presetID="2" presetClass="entr" presetSubtype="1" fill="hold" grpId="0" nodeType="afterEffect">
+                                  <p:stCondLst>
+                                    <p:cond delay="0"/>
+                                  </p:stCondLst>
+                                  <p:childTnLst>
+                                    <p:set>
+                                      <p:cBhvr>
+                                        <p:cTn id="16" dur="1" fill="hold">
+                                          <p:stCondLst>
+                                            <p:cond delay="0"/>
+                                          </p:stCondLst>
+                                        </p:cTn>
+                                        <p:tgtEl>
+                                          <p:spTgt spid="3">
+                                            <p:txEl>
+                                              <p:pRg st="2" end="2"/>
+                                            </p:txEl>
+                                          </p:spTgt>
+                                        </p:tgtEl>
+                                        <p:attrNameLst>
+                                          <p:attrName>style.visibility</p:attrName>
+                                        </p:attrNameLst>
+                                      </p:cBhvr>
+                                      <p:to>
+                                        <p:strVal val="visible"/>
+                                      </p:to>
+                                    </p:set>
+                                    <p:anim calcmode="lin" valueType="num">
+                                      <p:cBhvr additive="base">
+                                        <p:cTn id="17" dur="1750" fill="hold"/>
+                                        <p:tgtEl>
+                                          <p:spTgt spid="3">
+                                            <p:txEl>
+                                              <p:pRg st="2" end="2"/>
+                                            </p:txEl>
+                                          </p:spTgt>
+                                        </p:tgtEl>
+                                        <p:attrNameLst>
+                                          <p:attrName>ppt_x</p:attrName>
+                                        </p:attrNameLst>
+                                      </p:cBhvr>
+                                      <p:tavLst>
+                                        <p:tav tm="0">
+                                          <p:val>
+                                            <p:strVal val="#ppt_x"/>
+                                          </p:val>
+                                        </p:tav>
+                                        <p:tav tm="100000">
+                                          <p:val>
+                                            <p:strVal val="#ppt_x"/>
+                                          </p:val>
+                                        </p:tav>
+                                      </p:tavLst>
+                                    </p:anim>
+                                    <p:anim calcmode="lin" valueType="num">
+                                      <p:cBhvr additive="base">
+                                        <p:cTn id="18" dur="1750" fill="hold"/>
+                                        <p:tgtEl>
+                                          <p:spTgt spid="3">
+                                            <p:txEl>
+                                              <p:pRg st="2" end="2"/>
+                                            </p:txEl>
+                                          </p:spTgt>
+                                        </p:tgtEl>
+                                        <p:attrNameLst>
+                                          <p:attrName>ppt_y</p:attrName>
+                                        </p:attrNameLst>
+                                      </p:cBhvr>
+                                      <p:tavLst>
+                                        <p:tav tm="0">
+                                          <p:val>
+                                            <p:strVal val="0-#ppt_h/2"/>
+                                          </p:val>
+                                        </p:tav>
+                                        <p:tav tm="100000">
+                                          <p:val>
+                                            <p:strVal val="#ppt_y"/>
+                                          </p:val>
+                                        </p:tav>
+                                      </p:tavLst>
+                                    </p:anim>
+                                  </p:childTnLst>
+                                </p:cTn>
+                              </p:par>
+                            </p:childTnLst>
+                          </p:cTn>
+                        </p:par>
+                        <p:par>
+                          <p:cTn id="19" fill="hold">
+                            <p:stCondLst>
+                              <p:cond delay="5250"/>
+                            </p:stCondLst>
+                            <p:childTnLst>
+                              <p:par>
+                                <p:cTn id="20" presetID="2" presetClass="entr" presetSubtype="1" fill="hold" grpId="0" nodeType="afterEffect">
+                                  <p:stCondLst>
+                                    <p:cond delay="0"/>
+                                  </p:stCondLst>
+                                  <p:childTnLst>
+                                    <p:set>
+                                      <p:cBhvr>
+                                        <p:cTn id="21" dur="1" fill="hold">
+                                          <p:stCondLst>
+                                            <p:cond delay="0"/>
+                                          </p:stCondLst>
+                                        </p:cTn>
+                                        <p:tgtEl>
+                                          <p:spTgt spid="3">
+                                            <p:txEl>
+                                              <p:pRg st="3" end="3"/>
+                                            </p:txEl>
+                                          </p:spTgt>
+                                        </p:tgtEl>
+                                        <p:attrNameLst>
+                                          <p:attrName>style.visibility</p:attrName>
+                                        </p:attrNameLst>
+                                      </p:cBhvr>
+                                      <p:to>
+                                        <p:strVal val="visible"/>
+                                      </p:to>
+                                    </p:set>
+                                    <p:anim calcmode="lin" valueType="num">
+                                      <p:cBhvr additive="base">
+                                        <p:cTn id="22" dur="1750" fill="hold"/>
+                                        <p:tgtEl>
+                                          <p:spTgt spid="3">
+                                            <p:txEl>
+                                              <p:pRg st="3" end="3"/>
+                                            </p:txEl>
+                                          </p:spTgt>
+                                        </p:tgtEl>
+                                        <p:attrNameLst>
+                                          <p:attrName>ppt_x</p:attrName>
+                                        </p:attrNameLst>
+                                      </p:cBhvr>
+                                      <p:tavLst>
+                                        <p:tav tm="0">
+                                          <p:val>
+                                            <p:strVal val="#ppt_x"/>
+                                          </p:val>
+                                        </p:tav>
+                                        <p:tav tm="100000">
+                                          <p:val>
+                                            <p:strVal val="#ppt_x"/>
+                                          </p:val>
+                                        </p:tav>
+                                      </p:tavLst>
+                                    </p:anim>
+                                    <p:anim calcmode="lin" valueType="num">
+                                      <p:cBhvr additive="base">
+                                        <p:cTn id="23" dur="1750" fill="hold"/>
+                                        <p:tgtEl>
+                                          <p:spTgt spid="3">
+                                            <p:txEl>
+                                              <p:pRg st="3" end="3"/>
+                                            </p:txEl>
+                                          </p:spTgt>
+                                        </p:tgtEl>
+                                        <p:attrNameLst>
+                                          <p:attrName>ppt_y</p:attrName>
+                                        </p:attrNameLst>
+                                      </p:cBhvr>
+                                      <p:tavLst>
+                                        <p:tav tm="0">
+                                          <p:val>
+                                            <p:strVal val="0-#ppt_h/2"/>
+                                          </p:val>
+                                        </p:tav>
+                                        <p:tav tm="100000">
+                                          <p:val>
+                                            <p:strVal val="#ppt_y"/>
+                                          </p:val>
+                                        </p:tav>
+                                      </p:tavLst>
+                                    </p:anim>
+                                  </p:childTnLst>
+                                </p:cTn>
+                              </p:par>
+                            </p:childTnLst>
+                          </p:cTn>
+                        </p:par>
+                        <p:par>
+                          <p:cTn id="24" fill="hold">
+                            <p:stCondLst>
+                              <p:cond delay="7000"/>
+                            </p:stCondLst>
+                            <p:childTnLst>
+                              <p:par>
+                                <p:cTn id="25" presetID="2" presetClass="entr" presetSubtype="1" fill="hold" grpId="0" nodeType="afterEffect">
+                                  <p:stCondLst>
+                                    <p:cond delay="0"/>
+                                  </p:stCondLst>
+                                  <p:childTnLst>
+                                    <p:set>
+                                      <p:cBhvr>
+                                        <p:cTn id="26" dur="1" fill="hold">
+                                          <p:stCondLst>
+                                            <p:cond delay="0"/>
+                                          </p:stCondLst>
+                                        </p:cTn>
+                                        <p:tgtEl>
+                                          <p:spTgt spid="3">
+                                            <p:txEl>
+                                              <p:pRg st="4" end="4"/>
+                                            </p:txEl>
+                                          </p:spTgt>
+                                        </p:tgtEl>
+                                        <p:attrNameLst>
+                                          <p:attrName>style.visibility</p:attrName>
+                                        </p:attrNameLst>
+                                      </p:cBhvr>
+                                      <p:to>
+                                        <p:strVal val="visible"/>
+                                      </p:to>
+                                    </p:set>
+                                    <p:anim calcmode="lin" valueType="num">
+                                      <p:cBhvr additive="base">
+                                        <p:cTn id="27" dur="1750" fill="hold"/>
+                                        <p:tgtEl>
+                                          <p:spTgt spid="3">
+                                            <p:txEl>
+                                              <p:pRg st="4" end="4"/>
+                                            </p:txEl>
+                                          </p:spTgt>
+                                        </p:tgtEl>
+                                        <p:attrNameLst>
+                                          <p:attrName>ppt_x</p:attrName>
+                                        </p:attrNameLst>
+                                      </p:cBhvr>
+                                      <p:tavLst>
+                                        <p:tav tm="0">
+                                          <p:val>
+                                            <p:strVal val="#ppt_x"/>
+                                          </p:val>
+                                        </p:tav>
+                                        <p:tav tm="100000">
+                                          <p:val>
+                                            <p:strVal val="#ppt_x"/>
+                                          </p:val>
+                                        </p:tav>
+                                      </p:tavLst>
+                                    </p:anim>
+                                    <p:anim calcmode="lin" valueType="num">
+                                      <p:cBhvr additive="base">
+                                        <p:cTn id="28" dur="1750" fill="hold"/>
+                                        <p:tgtEl>
+                                          <p:spTgt spid="3">
+                                            <p:txEl>
+                                              <p:pRg st="4" end="4"/>
+                                            </p:txEl>
+                                          </p:spTgt>
+                                        </p:tgtEl>
+                                        <p:attrNameLst>
+                                          <p:attrName>ppt_y</p:attrName>
+                                        </p:attrNameLst>
+                                      </p:cBhvr>
+                                      <p:tavLst>
+                                        <p:tav tm="0">
+                                          <p:val>
+                                            <p:strVal val="0-#ppt_h/2"/>
+                                          </p:val>
+                                        </p:tav>
+                                        <p:tav tm="100000">
+                                          <p:val>
+                                            <p:strVal val="#ppt_y"/>
+                                          </p:val>
+                                        </p:tav>
+                                      </p:tavLst>
+                                    </p:anim>
+                                  </p:childTnLst>
+                                </p:cTn>
+                              </p:par>
+                            </p:childTnLst>
+                          </p:cTn>
+                        </p:par>
+                        <p:par>
+                          <p:cTn id="29" fill="hold">
+                            <p:stCondLst>
+                              <p:cond delay="8750"/>
+                            </p:stCondLst>
+                            <p:childTnLst>
+                              <p:par>
+                                <p:cTn id="30" presetID="10" presetClass="entr" presetSubtype="0" fill="hold" nodeType="afterEffect">
+                                  <p:stCondLst>
+                                    <p:cond delay="0"/>
+                                  </p:stCondLst>
+                                  <p:childTnLst>
+                                    <p:set>
+                                      <p:cBhvr>
+                                        <p:cTn id="31" dur="1" fill="hold">
+                                          <p:stCondLst>
+                                            <p:cond delay="0"/>
+                                          </p:stCondLst>
+                                        </p:cTn>
+                                        <p:tgtEl>
+                                          <p:spTgt spid="5"/>
+                                        </p:tgtEl>
+                                        <p:attrNameLst>
+                                          <p:attrName>style.visibility</p:attrName>
+                                        </p:attrNameLst>
+                                      </p:cBhvr>
+                                      <p:to>
+                                        <p:strVal val="visible"/>
+                                      </p:to>
+                                    </p:set>
+                                    <p:animEffect transition="in" filter="fade">
+                                      <p:cBhvr>
+                                        <p:cTn id="32" dur="500"/>
+                                        <p:tgtEl>
+                                          <p:spTgt spid="5"/>
+                                        </p:tgtEl>
+                                      </p:cBhvr>
+                                    </p:animEffect>
+                                  </p:childTnLst>
+                                </p:cTn>
+                              </p:par>
+                              <p:par>
+                                <p:cTn id="33" presetID="47" presetClass="entr" presetSubtype="0" fill="hold" nodeType="withEffect">
+                                  <p:stCondLst>
+                                    <p:cond delay="0"/>
+                                  </p:stCondLst>
+                                  <p:childTnLst>
+                                    <p:set>
+                                      <p:cBhvr>
+                                        <p:cTn id="34" dur="1" fill="hold">
+                                          <p:stCondLst>
+                                            <p:cond delay="0"/>
+                                          </p:stCondLst>
+                                        </p:cTn>
+                                        <p:tgtEl>
+                                          <p:spTgt spid="7"/>
+                                        </p:tgtEl>
+                                        <p:attrNameLst>
+                                          <p:attrName>style.visibility</p:attrName>
+                                        </p:attrNameLst>
+                                      </p:cBhvr>
+                                      <p:to>
+                                        <p:strVal val="visible"/>
+                                      </p:to>
+                                    </p:set>
+                                    <p:animEffect transition="in" filter="fade">
+                                      <p:cBhvr>
+                                        <p:cTn id="35" dur="1000"/>
+                                        <p:tgtEl>
+                                          <p:spTgt spid="7"/>
+                                        </p:tgtEl>
+                                      </p:cBhvr>
+                                    </p:animEffect>
+                                    <p:anim calcmode="lin" valueType="num">
+                                      <p:cBhvr>
+                                        <p:cTn id="36" dur="1000" fill="hold"/>
+                                        <p:tgtEl>
+                                          <p:spTgt spid="7"/>
+                                        </p:tgtEl>
+                                        <p:attrNameLst>
+                                          <p:attrName>ppt_x</p:attrName>
+                                        </p:attrNameLst>
+                                      </p:cBhvr>
+                                      <p:tavLst>
+                                        <p:tav tm="0">
+                                          <p:val>
+                                            <p:strVal val="#ppt_x"/>
+                                          </p:val>
+                                        </p:tav>
+                                        <p:tav tm="100000">
+                                          <p:val>
+                                            <p:strVal val="#ppt_x"/>
+                                          </p:val>
+                                        </p:tav>
+                                      </p:tavLst>
+                                    </p:anim>
+                                    <p:anim calcmode="lin" valueType="num">
+                                      <p:cBhvr>
+                                        <p:cTn id="37" dur="1000" fill="hold"/>
+                                        <p:tgtEl>
+                                          <p:spTgt spid="7"/>
+                                        </p:tgtEl>
+                                        <p:attrNameLst>
+                                          <p:attrName>ppt_y</p:attrName>
+                                        </p:attrNameLst>
+                                      </p:cBhvr>
+                                      <p:tavLst>
+                                        <p:tav tm="0">
+                                          <p:val>
+                                            <p:strVal val="#ppt_y-.1"/>
+                                          </p:val>
+                                        </p:tav>
+                                        <p:tav tm="100000">
+                                          <p:val>
+                                            <p:strVal val="#ppt_y"/>
+                                          </p:val>
+                                        </p:tav>
+                                      </p:tavLst>
+                                    </p:anim>
+                                  </p:childTnLst>
+                                </p:cTn>
+                              </p:par>
+                              <p:par>
+                                <p:cTn id="38" presetID="23" presetClass="entr" presetSubtype="16" fill="hold" nodeType="withEffect">
+                                  <p:stCondLst>
+                                    <p:cond delay="0"/>
+                                  </p:stCondLst>
+                                  <p:childTnLst>
+                                    <p:set>
+                                      <p:cBhvr>
+                                        <p:cTn id="39" dur="1" fill="hold">
+                                          <p:stCondLst>
+                                            <p:cond delay="0"/>
+                                          </p:stCondLst>
+                                        </p:cTn>
+                                        <p:tgtEl>
+                                          <p:spTgt spid="9"/>
+                                        </p:tgtEl>
+                                        <p:attrNameLst>
+                                          <p:attrName>style.visibility</p:attrName>
+                                        </p:attrNameLst>
+                                      </p:cBhvr>
+                                      <p:to>
+                                        <p:strVal val="visible"/>
+                                      </p:to>
+                                    </p:set>
+                                    <p:anim calcmode="lin" valueType="num">
+                                      <p:cBhvr>
+                                        <p:cTn id="40" dur="500" fill="hold"/>
+                                        <p:tgtEl>
+                                          <p:spTgt spid="9"/>
+                                        </p:tgtEl>
+                                        <p:attrNameLst>
+                                          <p:attrName>ppt_w</p:attrName>
+                                        </p:attrNameLst>
+                                      </p:cBhvr>
+                                      <p:tavLst>
+                                        <p:tav tm="0">
+                                          <p:val>
+                                            <p:fltVal val="0"/>
+                                          </p:val>
+                                        </p:tav>
+                                        <p:tav tm="100000">
+                                          <p:val>
+                                            <p:strVal val="#ppt_w"/>
+                                          </p:val>
+                                        </p:tav>
+                                      </p:tavLst>
+                                    </p:anim>
+                                    <p:anim calcmode="lin" valueType="num">
+                                      <p:cBhvr>
+                                        <p:cTn id="41" dur="500" fill="hold"/>
+                                        <p:tgtEl>
+                                          <p:spTgt spid="9"/>
+                                        </p:tgtEl>
+                                        <p:attrNameLst>
+                                          <p:attrName>ppt_h</p:attrName>
+                                        </p:attrNameLst>
+                                      </p:cBhvr>
+                                      <p:tavLst>
+                                        <p:tav tm="0">
+                                          <p:val>
+                                            <p:fltVal val="0"/>
+                                          </p:val>
+                                        </p:tav>
+                                        <p:tav tm="100000">
+                                          <p:val>
+                                            <p:strVal val="#ppt_h"/>
+                                          </p:val>
+                                        </p:tav>
+                                      </p:tavLst>
+                                    </p:anim>
+                                  </p:childTnLst>
+                                </p:cTn>
+                              </p:par>
+                              <p:par>
+                                <p:cTn id="42" presetID="10" presetClass="entr" presetSubtype="0" fill="hold" nodeType="withEffect">
+                                  <p:stCondLst>
+                                    <p:cond delay="0"/>
+                                  </p:stCondLst>
+                                  <p:childTnLst>
+                                    <p:set>
+                                      <p:cBhvr>
+                                        <p:cTn id="43" dur="1" fill="hold">
+                                          <p:stCondLst>
+                                            <p:cond delay="0"/>
+                                          </p:stCondLst>
+                                        </p:cTn>
+                                        <p:tgtEl>
+                                          <p:spTgt spid="11"/>
+                                        </p:tgtEl>
+                                        <p:attrNameLst>
+                                          <p:attrName>style.visibility</p:attrName>
+                                        </p:attrNameLst>
+                                      </p:cBhvr>
+                                      <p:to>
+                                        <p:strVal val="visible"/>
+                                      </p:to>
+                                    </p:set>
+                                    <p:animEffect transition="in" filter="fade">
+                                      <p:cBhvr>
+                                        <p:cTn id="44" dur="500"/>
+                                        <p:tgtEl>
+                                          <p:spTgt spid="11"/>
+                                        </p:tgtEl>
+                                      </p:cBhvr>
+                                    </p:animEffect>
+                                  </p:childTnLst>
+                                </p:cTn>
+                              </p:par>
+                              <p:par>
+                                <p:cTn id="45" presetID="31" presetClass="entr" presetSubtype="0" fill="hold" nodeType="withEffect">
+                                  <p:stCondLst>
+                                    <p:cond delay="0"/>
+                                  </p:stCondLst>
+                                  <p:childTnLst>
+                                    <p:set>
+                                      <p:cBhvr>
+                                        <p:cTn id="46" dur="1" fill="hold">
+                                          <p:stCondLst>
+                                            <p:cond delay="0"/>
+                                          </p:stCondLst>
+                                        </p:cTn>
+                                        <p:tgtEl>
+                                          <p:spTgt spid="13"/>
+                                        </p:tgtEl>
+                                        <p:attrNameLst>
+                                          <p:attrName>style.visibility</p:attrName>
+                                        </p:attrNameLst>
+                                      </p:cBhvr>
+                                      <p:to>
+                                        <p:strVal val="visible"/>
+                                      </p:to>
+                                    </p:set>
+                                    <p:anim calcmode="lin" valueType="num">
+                                      <p:cBhvr>
+                                        <p:cTn id="47" dur="1000" fill="hold"/>
+                                        <p:tgtEl>
+                                          <p:spTgt spid="13"/>
+                                        </p:tgtEl>
+                                        <p:attrNameLst>
+                                          <p:attrName>ppt_w</p:attrName>
+                                        </p:attrNameLst>
+                                      </p:cBhvr>
+                                      <p:tavLst>
+                                        <p:tav tm="0">
+                                          <p:val>
+                                            <p:fltVal val="0"/>
+                                          </p:val>
+                                        </p:tav>
+                                        <p:tav tm="100000">
+                                          <p:val>
+                                            <p:strVal val="#ppt_w"/>
+                                          </p:val>
+                                        </p:tav>
+                                      </p:tavLst>
+                                    </p:anim>
+                                    <p:anim calcmode="lin" valueType="num">
+                                      <p:cBhvr>
+                                        <p:cTn id="48" dur="1000" fill="hold"/>
+                                        <p:tgtEl>
+                                          <p:spTgt spid="13"/>
+                                        </p:tgtEl>
+                                        <p:attrNameLst>
+                                          <p:attrName>ppt_h</p:attrName>
+                                        </p:attrNameLst>
+                                      </p:cBhvr>
+                                      <p:tavLst>
+                                        <p:tav tm="0">
+                                          <p:val>
+                                            <p:fltVal val="0"/>
+                                          </p:val>
+                                        </p:tav>
+                                        <p:tav tm="100000">
+                                          <p:val>
+                                            <p:strVal val="#ppt_h"/>
+                                          </p:val>
+                                        </p:tav>
+                                      </p:tavLst>
+                                    </p:anim>
+                                    <p:anim calcmode="lin" valueType="num">
+                                      <p:cBhvr>
+                                        <p:cTn id="49" dur="1000" fill="hold"/>
+                                        <p:tgtEl>
+                                          <p:spTgt spid="13"/>
+                                        </p:tgtEl>
+                                        <p:attrNameLst>
+                                          <p:attrName>style.rotation</p:attrName>
+                                        </p:attrNameLst>
+                                      </p:cBhvr>
+                                      <p:tavLst>
+                                        <p:tav tm="0">
+                                          <p:val>
+                                            <p:fltVal val="90"/>
+                                          </p:val>
+                                        </p:tav>
+                                        <p:tav tm="100000">
+                                          <p:val>
+                                            <p:fltVal val="0"/>
+                                          </p:val>
+                                        </p:tav>
+                                      </p:tavLst>
+                                    </p:anim>
+                                    <p:animEffect transition="in" filter="fade">
+                                      <p:cBhvr>
+                                        <p:cTn id="50" dur="1000"/>
+                                        <p:tgtEl>
+                                          <p:spTgt spid="13"/>
+                                        </p:tgtEl>
+                                      </p:cBhvr>
+                                    </p:animEffect>
+                                  </p:childTnLst>
+                                </p:cTn>
+                              </p:par>
+                            </p:childTnLst>
+                          </p:cTn>
+                        </p:par>
+                      </p:childTnLst>
+                    </p:cTn>
+                  </p:par>
+                </p:childTnLst>
+              </p:cTn>
+              <p:prevCondLst>
+                <p:cond evt="onPrev" delay="0">
+                  <p:tgtEl>
+                    <p:sldTgt/>
+                  </p:tgtEl>
+                </p:cond>
+              </p:prevCondLst>
+              <p:nextCondLst>
+                <p:cond evt="onNext" delay="0">
+                  <p:tgtEl>
+                    <p:sldTgt/>
+                  </p:tgtEl>
+                </p:cond>
+              </p:nextCondLst>
+            </p:seq>
+          </p:childTnLst>
+        </p:cTn>
+      </p:par>
+    </p:tnLst>
+    <p:bldLst>
+      <p:bldP spid="3" grpId="0" build="p"/>
+    </p:bldLst>
+  </p:timing>
+</p:sld>
+</file>
+
+<file path=ppt/slides/slide7.xml><?xml version="1.0" encoding="utf-8"?>
+<p:sld xmlns:a="http://schemas.openxmlformats.org/drawingml/2006/main" xmlns:r="http://schemas.openxmlformats.org/officeDocument/2006/relationships" xmlns:p="http://schemas.openxmlformats.org/presentationml/2006/main">
+  <p:cSld>
+    <p:spTree>
+      <p:nvGrpSpPr>
+        <p:cNvPr id="1" name=""/>
+        <p:cNvGrpSpPr/>
+        <p:nvPr/>
+      </p:nvGrpSpPr>
+      <p:grpSpPr>
+        <a:xfrm>
+          <a:off x="0" y="0"/>
+          <a:ext cx="0" cy="0"/>
+          <a:chOff x="0" y="0"/>
+          <a:chExt cx="0" cy="0"/>
+        </a:xfrm>
+      </p:grpSpPr>
+      <p:sp>
+        <p:nvSpPr>
+          <p:cNvPr id="2" name="Заголовок 1">
+            <a:extLst>
+              <a:ext uri="{FF2B5EF4-FFF2-40B4-BE49-F238E27FC236}">
                 <a16:creationId xmlns:a16="http://schemas.microsoft.com/office/drawing/2014/main" id="{18E6765F-4C7D-45C4-469B-021290954D3A}"/>
               </a:ext>
             </a:extLst>
@@ -10744,13 +11886,13 @@
   <p:clrMapOvr>
     <a:masterClrMapping/>
   </p:clrMapOvr>
-  <mc:AlternateContent xmlns:mc="http://schemas.openxmlformats.org/markup-compatibility/2006">
-    <mc:Choice xmlns:p14="http://schemas.microsoft.com/office/powerpoint/2010/main" Requires="p14">
+  <mc:AlternateContent xmlns:mc="http://schemas.openxmlformats.org/markup-compatibility/2006" xmlns:p14="http://schemas.microsoft.com/office/powerpoint/2010/main">
+    <mc:Choice Requires="p14">
       <p:transition spd="slow" p14:dur="1500">
         <p:split/>
       </p:transition>
     </mc:Choice>
-    <mc:Fallback>
+    <mc:Fallback xmlns="">
       <p:transition spd="slow">
         <p:split/>
       </p:transition>
@@ -11011,7 +12153,7 @@
 </p:sld>
 </file>
 
-<file path=ppt/slides/slide7.xml><?xml version="1.0" encoding="utf-8"?>
+<file path=ppt/slides/slide8.xml><?xml version="1.0" encoding="utf-8"?>
 <p:sld xmlns:a="http://schemas.openxmlformats.org/drawingml/2006/main" xmlns:r="http://schemas.openxmlformats.org/officeDocument/2006/relationships" xmlns:p="http://schemas.openxmlformats.org/presentationml/2006/main">
   <p:cSld>
     <p:spTree>
@@ -11108,13 +12250,13 @@
   <p:clrMapOvr>
     <a:masterClrMapping/>
   </p:clrMapOvr>
-  <mc:AlternateContent xmlns:mc="http://schemas.openxmlformats.org/markup-compatibility/2006">
-    <mc:Choice xmlns:p15="http://schemas.microsoft.com/office/powerpoint/2012/main" Requires="p15">
+  <mc:AlternateContent xmlns:mc="http://schemas.openxmlformats.org/markup-compatibility/2006" xmlns:p15="http://schemas.microsoft.com/office/powerpoint/2012/main">
+    <mc:Choice Requires="p15">
       <p:transition xmlns:p14="http://schemas.microsoft.com/office/powerpoint/2010/main" spd="slow" p14:dur="2000">
         <p15:prstTrans prst="crush"/>
       </p:transition>
     </mc:Choice>
-    <mc:Fallback>
+    <mc:Fallback xmlns="">
       <p:transition spd="slow">
         <p:fade/>
       </p:transition>
@@ -11255,7 +12397,7 @@
 </p:sld>
 </file>
 
-<file path=ppt/slides/slide8.xml><?xml version="1.0" encoding="utf-8"?>
+<file path=ppt/slides/slide9.xml><?xml version="1.0" encoding="utf-8"?>
 <p:sld xmlns:a="http://schemas.openxmlformats.org/drawingml/2006/main" xmlns:r="http://schemas.openxmlformats.org/officeDocument/2006/relationships" xmlns:p="http://schemas.openxmlformats.org/presentationml/2006/main">
   <p:cSld>
     <p:spTree>
@@ -11420,13 +12562,13 @@
   <p:clrMapOvr>
     <a:masterClrMapping/>
   </p:clrMapOvr>
-  <mc:AlternateContent xmlns:mc="http://schemas.openxmlformats.org/markup-compatibility/2006">
-    <mc:Choice xmlns:p14="http://schemas.microsoft.com/office/powerpoint/2010/main" Requires="p14">
+  <mc:AlternateContent xmlns:mc="http://schemas.openxmlformats.org/markup-compatibility/2006" xmlns:p14="http://schemas.microsoft.com/office/powerpoint/2010/main">
+    <mc:Choice Requires="p14">
       <p:transition spd="slow" p14:dur="2250">
         <p14:reveal/>
       </p:transition>
     </mc:Choice>
-    <mc:Fallback>
+    <mc:Fallback xmlns="">
       <p:transition spd="slow">
         <p:fade/>
       </p:transition>
